--- a/Curvas de Bezier.pptx
+++ b/Curvas de Bezier.pptx
@@ -142,6 +142,139 @@
 <file path=ppt/changesInfos/changesInfo1.xml><?xml version="1.0" encoding="utf-8"?>
 <pc:chgInfo xmlns:a="http://schemas.openxmlformats.org/drawingml/2006/main" xmlns:r="http://schemas.openxmlformats.org/officeDocument/2006/relationships" xmlns:ac="http://schemas.microsoft.com/office/drawing/2013/main/command" xmlns:pc="http://schemas.microsoft.com/office/powerpoint/2013/main/command">
   <pc:docChgLst>
+    <pc:chgData name="Ignacio Baptista" userId="5636799515a3338f" providerId="LiveId" clId="{67992480-31BF-4302-B825-592F1B76DF89}"/>
+    <pc:docChg chg="undo custSel addSld modSld">
+      <pc:chgData name="Ignacio Baptista" userId="5636799515a3338f" providerId="LiveId" clId="{67992480-31BF-4302-B825-592F1B76DF89}" dt="2021-11-04T14:04:24.378" v="485"/>
+      <pc:docMkLst>
+        <pc:docMk/>
+      </pc:docMkLst>
+      <pc:sldChg chg="modSp mod">
+        <pc:chgData name="Ignacio Baptista" userId="5636799515a3338f" providerId="LiveId" clId="{67992480-31BF-4302-B825-592F1B76DF89}" dt="2021-11-04T13:54:55.244" v="120" actId="20577"/>
+        <pc:sldMkLst>
+          <pc:docMk/>
+          <pc:sldMk cId="342878224" sldId="256"/>
+        </pc:sldMkLst>
+        <pc:spChg chg="mod">
+          <ac:chgData name="Ignacio Baptista" userId="5636799515a3338f" providerId="LiveId" clId="{67992480-31BF-4302-B825-592F1B76DF89}" dt="2021-11-04T13:46:29.925" v="12" actId="1076"/>
+          <ac:spMkLst>
+            <pc:docMk/>
+            <pc:sldMk cId="342878224" sldId="256"/>
+            <ac:spMk id="2" creationId="{DF014BC1-19E6-4372-BC08-B827B8E37B0D}"/>
+          </ac:spMkLst>
+        </pc:spChg>
+        <pc:spChg chg="mod">
+          <ac:chgData name="Ignacio Baptista" userId="5636799515a3338f" providerId="LiveId" clId="{67992480-31BF-4302-B825-592F1B76DF89}" dt="2021-11-04T13:46:55.112" v="20" actId="1076"/>
+          <ac:spMkLst>
+            <pc:docMk/>
+            <pc:sldMk cId="342878224" sldId="256"/>
+            <ac:spMk id="4" creationId="{D1078792-4661-4891-8941-D89DF946425A}"/>
+          </ac:spMkLst>
+        </pc:spChg>
+        <pc:spChg chg="mod">
+          <ac:chgData name="Ignacio Baptista" userId="5636799515a3338f" providerId="LiveId" clId="{67992480-31BF-4302-B825-592F1B76DF89}" dt="2021-11-04T13:54:55.244" v="120" actId="20577"/>
+          <ac:spMkLst>
+            <pc:docMk/>
+            <pc:sldMk cId="342878224" sldId="256"/>
+            <ac:spMk id="7" creationId="{C4F202E5-9476-49FD-B380-FE07130DA75C}"/>
+          </ac:spMkLst>
+        </pc:spChg>
+      </pc:sldChg>
+      <pc:sldChg chg="modSp mod">
+        <pc:chgData name="Ignacio Baptista" userId="5636799515a3338f" providerId="LiveId" clId="{67992480-31BF-4302-B825-592F1B76DF89}" dt="2021-11-04T13:48:09.105" v="53" actId="1076"/>
+        <pc:sldMkLst>
+          <pc:docMk/>
+          <pc:sldMk cId="3484944197" sldId="257"/>
+        </pc:sldMkLst>
+        <pc:spChg chg="mod">
+          <ac:chgData name="Ignacio Baptista" userId="5636799515a3338f" providerId="LiveId" clId="{67992480-31BF-4302-B825-592F1B76DF89}" dt="2021-11-04T13:47:03.072" v="23" actId="1076"/>
+          <ac:spMkLst>
+            <pc:docMk/>
+            <pc:sldMk cId="3484944197" sldId="257"/>
+            <ac:spMk id="2" creationId="{DF014BC1-19E6-4372-BC08-B827B8E37B0D}"/>
+          </ac:spMkLst>
+        </pc:spChg>
+        <pc:spChg chg="mod">
+          <ac:chgData name="Ignacio Baptista" userId="5636799515a3338f" providerId="LiveId" clId="{67992480-31BF-4302-B825-592F1B76DF89}" dt="2021-11-04T13:48:09.105" v="53" actId="1076"/>
+          <ac:spMkLst>
+            <pc:docMk/>
+            <pc:sldMk cId="3484944197" sldId="257"/>
+            <ac:spMk id="4" creationId="{D1078792-4661-4891-8941-D89DF946425A}"/>
+          </ac:spMkLst>
+        </pc:spChg>
+      </pc:sldChg>
+      <pc:sldChg chg="modSp mod">
+        <pc:chgData name="Ignacio Baptista" userId="5636799515a3338f" providerId="LiveId" clId="{67992480-31BF-4302-B825-592F1B76DF89}" dt="2021-11-04T13:48:04.956" v="51" actId="1076"/>
+        <pc:sldMkLst>
+          <pc:docMk/>
+          <pc:sldMk cId="3069444207" sldId="258"/>
+        </pc:sldMkLst>
+        <pc:spChg chg="mod">
+          <ac:chgData name="Ignacio Baptista" userId="5636799515a3338f" providerId="LiveId" clId="{67992480-31BF-4302-B825-592F1B76DF89}" dt="2021-11-04T13:48:04.956" v="51" actId="1076"/>
+          <ac:spMkLst>
+            <pc:docMk/>
+            <pc:sldMk cId="3069444207" sldId="258"/>
+            <ac:spMk id="4" creationId="{D1078792-4661-4891-8941-D89DF946425A}"/>
+          </ac:spMkLst>
+        </pc:spChg>
+      </pc:sldChg>
+      <pc:sldChg chg="addSp delSp modSp add mod">
+        <pc:chgData name="Ignacio Baptista" userId="5636799515a3338f" providerId="LiveId" clId="{67992480-31BF-4302-B825-592F1B76DF89}" dt="2021-11-04T14:04:24.378" v="485"/>
+        <pc:sldMkLst>
+          <pc:docMk/>
+          <pc:sldMk cId="4290057161" sldId="259"/>
+        </pc:sldMkLst>
+        <pc:spChg chg="mod">
+          <ac:chgData name="Ignacio Baptista" userId="5636799515a3338f" providerId="LiveId" clId="{67992480-31BF-4302-B825-592F1B76DF89}" dt="2021-11-04T13:57:56.460" v="138" actId="20577"/>
+          <ac:spMkLst>
+            <pc:docMk/>
+            <pc:sldMk cId="4290057161" sldId="259"/>
+            <ac:spMk id="2" creationId="{DF014BC1-19E6-4372-BC08-B827B8E37B0D}"/>
+          </ac:spMkLst>
+        </pc:spChg>
+        <pc:spChg chg="add mod">
+          <ac:chgData name="Ignacio Baptista" userId="5636799515a3338f" providerId="LiveId" clId="{67992480-31BF-4302-B825-592F1B76DF89}" dt="2021-11-04T14:04:02.759" v="460" actId="14100"/>
+          <ac:spMkLst>
+            <pc:docMk/>
+            <pc:sldMk cId="4290057161" sldId="259"/>
+            <ac:spMk id="3" creationId="{B2FDF60C-389C-45B9-8BA6-EE4EFCC8ADB8}"/>
+          </ac:spMkLst>
+        </pc:spChg>
+        <pc:spChg chg="del mod">
+          <ac:chgData name="Ignacio Baptista" userId="5636799515a3338f" providerId="LiveId" clId="{67992480-31BF-4302-B825-592F1B76DF89}" dt="2021-11-04T13:59:30.950" v="211" actId="478"/>
+          <ac:spMkLst>
+            <pc:docMk/>
+            <pc:sldMk cId="4290057161" sldId="259"/>
+            <ac:spMk id="4" creationId="{D1078792-4661-4891-8941-D89DF946425A}"/>
+          </ac:spMkLst>
+        </pc:spChg>
+        <pc:spChg chg="add mod">
+          <ac:chgData name="Ignacio Baptista" userId="5636799515a3338f" providerId="LiveId" clId="{67992480-31BF-4302-B825-592F1B76DF89}" dt="2021-11-04T14:03:59.753" v="459" actId="14100"/>
+          <ac:spMkLst>
+            <pc:docMk/>
+            <pc:sldMk cId="4290057161" sldId="259"/>
+            <ac:spMk id="5" creationId="{B5F36983-0629-424C-A25D-2992BAC82878}"/>
+          </ac:spMkLst>
+        </pc:spChg>
+        <pc:spChg chg="add mod">
+          <ac:chgData name="Ignacio Baptista" userId="5636799515a3338f" providerId="LiveId" clId="{67992480-31BF-4302-B825-592F1B76DF89}" dt="2021-11-04T14:03:38.667" v="453" actId="120"/>
+          <ac:spMkLst>
+            <pc:docMk/>
+            <pc:sldMk cId="4290057161" sldId="259"/>
+            <ac:spMk id="6" creationId="{C9C84840-B625-46B7-94F8-6BC481F4C338}"/>
+          </ac:spMkLst>
+        </pc:spChg>
+        <pc:spChg chg="add mod">
+          <ac:chgData name="Ignacio Baptista" userId="5636799515a3338f" providerId="LiveId" clId="{67992480-31BF-4302-B825-592F1B76DF89}" dt="2021-11-04T14:04:24.378" v="485"/>
+          <ac:spMkLst>
+            <pc:docMk/>
+            <pc:sldMk cId="4290057161" sldId="259"/>
+            <ac:spMk id="7" creationId="{207E528B-0135-4ABD-B9BA-91A6CB6143CA}"/>
+          </ac:spMkLst>
+        </pc:spChg>
+      </pc:sldChg>
+    </pc:docChg>
+  </pc:docChgLst>
+  <pc:docChgLst>
     <pc:chgData name="Ignacio Baptista" userId="5636799515a3338f" providerId="LiveId" clId="{0E4A8330-84EC-4F71-AF7C-289E537E8D3C}"/>
     <pc:docChg chg="undo custSel modSld">
       <pc:chgData name="Ignacio Baptista" userId="5636799515a3338f" providerId="LiveId" clId="{0E4A8330-84EC-4F71-AF7C-289E537E8D3C}" dt="2021-11-05T02:18:02.261" v="1393" actId="1076"/>
@@ -282,139 +415,6 @@
       </pc:sldChg>
     </pc:docChg>
   </pc:docChgLst>
-  <pc:docChgLst>
-    <pc:chgData name="Ignacio Baptista" userId="5636799515a3338f" providerId="LiveId" clId="{67992480-31BF-4302-B825-592F1B76DF89}"/>
-    <pc:docChg chg="undo custSel addSld modSld">
-      <pc:chgData name="Ignacio Baptista" userId="5636799515a3338f" providerId="LiveId" clId="{67992480-31BF-4302-B825-592F1B76DF89}" dt="2021-11-04T14:04:24.378" v="485"/>
-      <pc:docMkLst>
-        <pc:docMk/>
-      </pc:docMkLst>
-      <pc:sldChg chg="modSp mod">
-        <pc:chgData name="Ignacio Baptista" userId="5636799515a3338f" providerId="LiveId" clId="{67992480-31BF-4302-B825-592F1B76DF89}" dt="2021-11-04T13:54:55.244" v="120" actId="20577"/>
-        <pc:sldMkLst>
-          <pc:docMk/>
-          <pc:sldMk cId="342878224" sldId="256"/>
-        </pc:sldMkLst>
-        <pc:spChg chg="mod">
-          <ac:chgData name="Ignacio Baptista" userId="5636799515a3338f" providerId="LiveId" clId="{67992480-31BF-4302-B825-592F1B76DF89}" dt="2021-11-04T13:46:29.925" v="12" actId="1076"/>
-          <ac:spMkLst>
-            <pc:docMk/>
-            <pc:sldMk cId="342878224" sldId="256"/>
-            <ac:spMk id="2" creationId="{DF014BC1-19E6-4372-BC08-B827B8E37B0D}"/>
-          </ac:spMkLst>
-        </pc:spChg>
-        <pc:spChg chg="mod">
-          <ac:chgData name="Ignacio Baptista" userId="5636799515a3338f" providerId="LiveId" clId="{67992480-31BF-4302-B825-592F1B76DF89}" dt="2021-11-04T13:46:55.112" v="20" actId="1076"/>
-          <ac:spMkLst>
-            <pc:docMk/>
-            <pc:sldMk cId="342878224" sldId="256"/>
-            <ac:spMk id="4" creationId="{D1078792-4661-4891-8941-D89DF946425A}"/>
-          </ac:spMkLst>
-        </pc:spChg>
-        <pc:spChg chg="mod">
-          <ac:chgData name="Ignacio Baptista" userId="5636799515a3338f" providerId="LiveId" clId="{67992480-31BF-4302-B825-592F1B76DF89}" dt="2021-11-04T13:54:55.244" v="120" actId="20577"/>
-          <ac:spMkLst>
-            <pc:docMk/>
-            <pc:sldMk cId="342878224" sldId="256"/>
-            <ac:spMk id="7" creationId="{C4F202E5-9476-49FD-B380-FE07130DA75C}"/>
-          </ac:spMkLst>
-        </pc:spChg>
-      </pc:sldChg>
-      <pc:sldChg chg="modSp mod">
-        <pc:chgData name="Ignacio Baptista" userId="5636799515a3338f" providerId="LiveId" clId="{67992480-31BF-4302-B825-592F1B76DF89}" dt="2021-11-04T13:48:09.105" v="53" actId="1076"/>
-        <pc:sldMkLst>
-          <pc:docMk/>
-          <pc:sldMk cId="3484944197" sldId="257"/>
-        </pc:sldMkLst>
-        <pc:spChg chg="mod">
-          <ac:chgData name="Ignacio Baptista" userId="5636799515a3338f" providerId="LiveId" clId="{67992480-31BF-4302-B825-592F1B76DF89}" dt="2021-11-04T13:47:03.072" v="23" actId="1076"/>
-          <ac:spMkLst>
-            <pc:docMk/>
-            <pc:sldMk cId="3484944197" sldId="257"/>
-            <ac:spMk id="2" creationId="{DF014BC1-19E6-4372-BC08-B827B8E37B0D}"/>
-          </ac:spMkLst>
-        </pc:spChg>
-        <pc:spChg chg="mod">
-          <ac:chgData name="Ignacio Baptista" userId="5636799515a3338f" providerId="LiveId" clId="{67992480-31BF-4302-B825-592F1B76DF89}" dt="2021-11-04T13:48:09.105" v="53" actId="1076"/>
-          <ac:spMkLst>
-            <pc:docMk/>
-            <pc:sldMk cId="3484944197" sldId="257"/>
-            <ac:spMk id="4" creationId="{D1078792-4661-4891-8941-D89DF946425A}"/>
-          </ac:spMkLst>
-        </pc:spChg>
-      </pc:sldChg>
-      <pc:sldChg chg="modSp mod">
-        <pc:chgData name="Ignacio Baptista" userId="5636799515a3338f" providerId="LiveId" clId="{67992480-31BF-4302-B825-592F1B76DF89}" dt="2021-11-04T13:48:04.956" v="51" actId="1076"/>
-        <pc:sldMkLst>
-          <pc:docMk/>
-          <pc:sldMk cId="3069444207" sldId="258"/>
-        </pc:sldMkLst>
-        <pc:spChg chg="mod">
-          <ac:chgData name="Ignacio Baptista" userId="5636799515a3338f" providerId="LiveId" clId="{67992480-31BF-4302-B825-592F1B76DF89}" dt="2021-11-04T13:48:04.956" v="51" actId="1076"/>
-          <ac:spMkLst>
-            <pc:docMk/>
-            <pc:sldMk cId="3069444207" sldId="258"/>
-            <ac:spMk id="4" creationId="{D1078792-4661-4891-8941-D89DF946425A}"/>
-          </ac:spMkLst>
-        </pc:spChg>
-      </pc:sldChg>
-      <pc:sldChg chg="addSp delSp modSp add mod">
-        <pc:chgData name="Ignacio Baptista" userId="5636799515a3338f" providerId="LiveId" clId="{67992480-31BF-4302-B825-592F1B76DF89}" dt="2021-11-04T14:04:24.378" v="485"/>
-        <pc:sldMkLst>
-          <pc:docMk/>
-          <pc:sldMk cId="4290057161" sldId="259"/>
-        </pc:sldMkLst>
-        <pc:spChg chg="mod">
-          <ac:chgData name="Ignacio Baptista" userId="5636799515a3338f" providerId="LiveId" clId="{67992480-31BF-4302-B825-592F1B76DF89}" dt="2021-11-04T13:57:56.460" v="138" actId="20577"/>
-          <ac:spMkLst>
-            <pc:docMk/>
-            <pc:sldMk cId="4290057161" sldId="259"/>
-            <ac:spMk id="2" creationId="{DF014BC1-19E6-4372-BC08-B827B8E37B0D}"/>
-          </ac:spMkLst>
-        </pc:spChg>
-        <pc:spChg chg="add mod">
-          <ac:chgData name="Ignacio Baptista" userId="5636799515a3338f" providerId="LiveId" clId="{67992480-31BF-4302-B825-592F1B76DF89}" dt="2021-11-04T14:04:02.759" v="460" actId="14100"/>
-          <ac:spMkLst>
-            <pc:docMk/>
-            <pc:sldMk cId="4290057161" sldId="259"/>
-            <ac:spMk id="3" creationId="{B2FDF60C-389C-45B9-8BA6-EE4EFCC8ADB8}"/>
-          </ac:spMkLst>
-        </pc:spChg>
-        <pc:spChg chg="del mod">
-          <ac:chgData name="Ignacio Baptista" userId="5636799515a3338f" providerId="LiveId" clId="{67992480-31BF-4302-B825-592F1B76DF89}" dt="2021-11-04T13:59:30.950" v="211" actId="478"/>
-          <ac:spMkLst>
-            <pc:docMk/>
-            <pc:sldMk cId="4290057161" sldId="259"/>
-            <ac:spMk id="4" creationId="{D1078792-4661-4891-8941-D89DF946425A}"/>
-          </ac:spMkLst>
-        </pc:spChg>
-        <pc:spChg chg="add mod">
-          <ac:chgData name="Ignacio Baptista" userId="5636799515a3338f" providerId="LiveId" clId="{67992480-31BF-4302-B825-592F1B76DF89}" dt="2021-11-04T14:03:59.753" v="459" actId="14100"/>
-          <ac:spMkLst>
-            <pc:docMk/>
-            <pc:sldMk cId="4290057161" sldId="259"/>
-            <ac:spMk id="5" creationId="{B5F36983-0629-424C-A25D-2992BAC82878}"/>
-          </ac:spMkLst>
-        </pc:spChg>
-        <pc:spChg chg="add mod">
-          <ac:chgData name="Ignacio Baptista" userId="5636799515a3338f" providerId="LiveId" clId="{67992480-31BF-4302-B825-592F1B76DF89}" dt="2021-11-04T14:03:38.667" v="453" actId="120"/>
-          <ac:spMkLst>
-            <pc:docMk/>
-            <pc:sldMk cId="4290057161" sldId="259"/>
-            <ac:spMk id="6" creationId="{C9C84840-B625-46B7-94F8-6BC481F4C338}"/>
-          </ac:spMkLst>
-        </pc:spChg>
-        <pc:spChg chg="add mod">
-          <ac:chgData name="Ignacio Baptista" userId="5636799515a3338f" providerId="LiveId" clId="{67992480-31BF-4302-B825-592F1B76DF89}" dt="2021-11-04T14:04:24.378" v="485"/>
-          <ac:spMkLst>
-            <pc:docMk/>
-            <pc:sldMk cId="4290057161" sldId="259"/>
-            <ac:spMk id="7" creationId="{207E528B-0135-4ABD-B9BA-91A6CB6143CA}"/>
-          </ac:spMkLst>
-        </pc:spChg>
-      </pc:sldChg>
-    </pc:docChg>
-  </pc:docChgLst>
 </pc:chgInfo>
 </file>
 
@@ -500,7 +500,7 @@
           <a:p>
             <a:fld id="{DA7D5907-75CF-4D31-8E06-2D6CCAD7BC64}" type="datetimeFigureOut">
               <a:rPr lang="es-AR" smtClean="0"/>
-              <a:t>4/11/2021</a:t>
+              <a:t>6/11/2021</a:t>
             </a:fld>
             <a:endParaRPr lang="es-AR"/>
           </a:p>
@@ -859,7 +859,7 @@
           <a:p>
             <a:r>
               <a:rPr lang="es-ES" dirty="0"/>
-              <a:t>Porque 0 corresponde al primer punto. 1 corresponde al segundo punto. No tiene sentido en este entorno que t tenga un valor menor a 0 o mayor a 1.</a:t>
+              <a:t>Porque 0 corresponde al primer punto. 1 corresponde al segundo punto. No tiene sentido en este entorno que t tenga un valor menor a 0 ni mayor a 1.</a:t>
             </a:r>
           </a:p>
           <a:p>
@@ -874,7 +874,15 @@
           <a:p>
             <a:r>
               <a:rPr lang="es-ES" dirty="0"/>
-              <a:t>En los casos que veremos nosotros están en R2 (el plano) pero estos puntos podrían estar en cualquier dimensión. Yo los utilizo en mi juego en R3 para generar geometría procedimental.</a:t>
+              <a:t>En los casos que veremos nosotros están en R2 (el plano) pero estos puntos podrían estar en cualquier dimensión. Yo los utilizo en mi juego en R3 para generar geometría procedimental. También podrían estar en R4 si interpolas dos colores de la forma (</a:t>
+            </a:r>
+            <a:r>
+              <a:rPr lang="es-ES" dirty="0" err="1"/>
+              <a:t>red,green,blue,Alpha</a:t>
+            </a:r>
+            <a:r>
+              <a:rPr lang="es-ES" dirty="0"/>
+              <a:t>) (Alpha es transparencia)</a:t>
             </a:r>
           </a:p>
           <a:p>
@@ -1194,7 +1202,7 @@
           <a:p>
             <a:fld id="{4B20694F-AB3D-4580-9653-E033ED224147}" type="datetimeFigureOut">
               <a:rPr lang="es-AR" smtClean="0"/>
-              <a:t>4/11/2021</a:t>
+              <a:t>6/11/2021</a:t>
             </a:fld>
             <a:endParaRPr lang="es-AR"/>
           </a:p>
@@ -1405,7 +1413,7 @@
           <a:p>
             <a:fld id="{4B20694F-AB3D-4580-9653-E033ED224147}" type="datetimeFigureOut">
               <a:rPr lang="es-AR" smtClean="0"/>
-              <a:t>4/11/2021</a:t>
+              <a:t>6/11/2021</a:t>
             </a:fld>
             <a:endParaRPr lang="es-AR"/>
           </a:p>
@@ -1620,7 +1628,7 @@
           <a:p>
             <a:fld id="{4B20694F-AB3D-4580-9653-E033ED224147}" type="datetimeFigureOut">
               <a:rPr lang="es-AR" smtClean="0"/>
-              <a:t>4/11/2021</a:t>
+              <a:t>6/11/2021</a:t>
             </a:fld>
             <a:endParaRPr lang="es-AR"/>
           </a:p>
@@ -1821,7 +1829,7 @@
           <a:p>
             <a:fld id="{4B20694F-AB3D-4580-9653-E033ED224147}" type="datetimeFigureOut">
               <a:rPr lang="es-AR" smtClean="0"/>
-              <a:t>4/11/2021</a:t>
+              <a:t>6/11/2021</a:t>
             </a:fld>
             <a:endParaRPr lang="es-AR"/>
           </a:p>
@@ -2100,7 +2108,7 @@
           <a:p>
             <a:fld id="{4B20694F-AB3D-4580-9653-E033ED224147}" type="datetimeFigureOut">
               <a:rPr lang="es-AR" smtClean="0"/>
-              <a:t>4/11/2021</a:t>
+              <a:t>6/11/2021</a:t>
             </a:fld>
             <a:endParaRPr lang="es-AR"/>
           </a:p>
@@ -2368,7 +2376,7 @@
           <a:p>
             <a:fld id="{4B20694F-AB3D-4580-9653-E033ED224147}" type="datetimeFigureOut">
               <a:rPr lang="es-AR" smtClean="0"/>
-              <a:t>4/11/2021</a:t>
+              <a:t>6/11/2021</a:t>
             </a:fld>
             <a:endParaRPr lang="es-AR"/>
           </a:p>
@@ -2784,7 +2792,7 @@
           <a:p>
             <a:fld id="{4B20694F-AB3D-4580-9653-E033ED224147}" type="datetimeFigureOut">
               <a:rPr lang="es-AR" smtClean="0"/>
-              <a:t>4/11/2021</a:t>
+              <a:t>6/11/2021</a:t>
             </a:fld>
             <a:endParaRPr lang="es-AR"/>
           </a:p>
@@ -2933,7 +2941,7 @@
           <a:p>
             <a:fld id="{4B20694F-AB3D-4580-9653-E033ED224147}" type="datetimeFigureOut">
               <a:rPr lang="es-AR" smtClean="0"/>
-              <a:t>4/11/2021</a:t>
+              <a:t>6/11/2021</a:t>
             </a:fld>
             <a:endParaRPr lang="es-AR"/>
           </a:p>
@@ -3059,7 +3067,7 @@
           <a:p>
             <a:fld id="{4B20694F-AB3D-4580-9653-E033ED224147}" type="datetimeFigureOut">
               <a:rPr lang="es-AR" smtClean="0"/>
-              <a:t>4/11/2021</a:t>
+              <a:t>6/11/2021</a:t>
             </a:fld>
             <a:endParaRPr lang="es-AR"/>
           </a:p>
@@ -3310,7 +3318,7 @@
           <a:p>
             <a:fld id="{4B20694F-AB3D-4580-9653-E033ED224147}" type="datetimeFigureOut">
               <a:rPr lang="es-AR" smtClean="0"/>
-              <a:t>4/11/2021</a:t>
+              <a:t>6/11/2021</a:t>
             </a:fld>
             <a:endParaRPr lang="es-AR"/>
           </a:p>
@@ -3755,7 +3763,7 @@
           <a:p>
             <a:fld id="{4B20694F-AB3D-4580-9653-E033ED224147}" type="datetimeFigureOut">
               <a:rPr lang="es-AR" smtClean="0"/>
-              <a:t>4/11/2021</a:t>
+              <a:t>6/11/2021</a:t>
             </a:fld>
             <a:endParaRPr lang="es-AR"/>
           </a:p>
@@ -4082,7 +4090,7 @@
           <a:p>
             <a:fld id="{4B20694F-AB3D-4580-9653-E033ED224147}" type="datetimeFigureOut">
               <a:rPr lang="es-AR" smtClean="0"/>
-              <a:t>4/11/2021</a:t>
+              <a:t>6/11/2021</a:t>
             </a:fld>
             <a:endParaRPr lang="es-AR"/>
           </a:p>
@@ -4604,8 +4612,8 @@
           </a:p>
         </p:txBody>
       </p:sp>
-      <mc:AlternateContent xmlns:mc="http://schemas.openxmlformats.org/markup-compatibility/2006">
-        <mc:Choice xmlns:a14="http://schemas.microsoft.com/office/drawing/2010/main" Requires="a14">
+      <mc:AlternateContent xmlns:mc="http://schemas.openxmlformats.org/markup-compatibility/2006" xmlns:a14="http://schemas.microsoft.com/office/drawing/2010/main">
+        <mc:Choice Requires="a14">
           <p:sp>
             <p:nvSpPr>
               <p:cNvPr id="4" name="CuadroTexto 3">
@@ -4854,7 +4862,7 @@
             </p:txBody>
           </p:sp>
         </mc:Choice>
-        <mc:Fallback>
+        <mc:Fallback xmlns="">
           <p:sp>
             <p:nvSpPr>
               <p:cNvPr id="4" name="CuadroTexto 3">
@@ -5027,8 +5035,8 @@
           </a:p>
         </p:txBody>
       </p:sp>
-      <mc:AlternateContent xmlns:mc="http://schemas.openxmlformats.org/markup-compatibility/2006">
-        <mc:Choice xmlns:a14="http://schemas.microsoft.com/office/drawing/2010/main" Requires="a14">
+      <mc:AlternateContent xmlns:mc="http://schemas.openxmlformats.org/markup-compatibility/2006" xmlns:a14="http://schemas.microsoft.com/office/drawing/2010/main">
+        <mc:Choice Requires="a14">
           <p:sp>
             <p:nvSpPr>
               <p:cNvPr id="4" name="CuadroTexto 3">
@@ -5381,7 +5389,7 @@
             </p:txBody>
           </p:sp>
         </mc:Choice>
-        <mc:Fallback>
+        <mc:Fallback xmlns="">
           <p:sp>
             <p:nvSpPr>
               <p:cNvPr id="4" name="CuadroTexto 3">
@@ -5493,8 +5501,8 @@
           </a:p>
         </p:txBody>
       </p:sp>
-      <mc:AlternateContent xmlns:mc="http://schemas.openxmlformats.org/markup-compatibility/2006">
-        <mc:Choice xmlns:a14="http://schemas.microsoft.com/office/drawing/2010/main" Requires="a14">
+      <mc:AlternateContent xmlns:mc="http://schemas.openxmlformats.org/markup-compatibility/2006" xmlns:a14="http://schemas.microsoft.com/office/drawing/2010/main">
+        <mc:Choice Requires="a14">
           <p:sp>
             <p:nvSpPr>
               <p:cNvPr id="4" name="CuadroTexto 3">
@@ -6010,7 +6018,7 @@
             </p:txBody>
           </p:sp>
         </mc:Choice>
-        <mc:Fallback>
+        <mc:Fallback xmlns="">
           <p:sp>
             <p:nvSpPr>
               <p:cNvPr id="4" name="CuadroTexto 3">
@@ -6121,8 +6129,8 @@
           </a:p>
         </p:txBody>
       </p:sp>
-      <mc:AlternateContent xmlns:mc="http://schemas.openxmlformats.org/markup-compatibility/2006">
-        <mc:Choice xmlns:a14="http://schemas.microsoft.com/office/drawing/2010/main" Requires="a14">
+      <mc:AlternateContent xmlns:mc="http://schemas.openxmlformats.org/markup-compatibility/2006" xmlns:a14="http://schemas.microsoft.com/office/drawing/2010/main">
+        <mc:Choice Requires="a14">
           <p:sp>
             <p:nvSpPr>
               <p:cNvPr id="3" name="CuadroTexto 2">
@@ -6220,7 +6228,7 @@
             </p:txBody>
           </p:sp>
         </mc:Choice>
-        <mc:Fallback>
+        <mc:Fallback xmlns="">
           <p:sp>
             <p:nvSpPr>
               <p:cNvPr id="3" name="CuadroTexto 2">
@@ -6265,8 +6273,8 @@
           </p:sp>
         </mc:Fallback>
       </mc:AlternateContent>
-      <mc:AlternateContent xmlns:mc="http://schemas.openxmlformats.org/markup-compatibility/2006">
-        <mc:Choice xmlns:a14="http://schemas.microsoft.com/office/drawing/2010/main" Requires="a14">
+      <mc:AlternateContent xmlns:mc="http://schemas.openxmlformats.org/markup-compatibility/2006" xmlns:a14="http://schemas.microsoft.com/office/drawing/2010/main">
+        <mc:Choice Requires="a14">
           <p:sp>
             <p:nvSpPr>
               <p:cNvPr id="5" name="CuadroTexto 4">
@@ -6385,7 +6393,7 @@
             </p:txBody>
           </p:sp>
         </mc:Choice>
-        <mc:Fallback>
+        <mc:Fallback xmlns="">
           <p:sp>
             <p:nvSpPr>
               <p:cNvPr id="5" name="CuadroTexto 4">
@@ -6430,8 +6438,8 @@
           </p:sp>
         </mc:Fallback>
       </mc:AlternateContent>
-      <mc:AlternateContent xmlns:mc="http://schemas.openxmlformats.org/markup-compatibility/2006">
-        <mc:Choice xmlns:a14="http://schemas.microsoft.com/office/drawing/2010/main" Requires="a14">
+      <mc:AlternateContent xmlns:mc="http://schemas.openxmlformats.org/markup-compatibility/2006" xmlns:a14="http://schemas.microsoft.com/office/drawing/2010/main">
+        <mc:Choice Requires="a14">
           <p:sp>
             <p:nvSpPr>
               <p:cNvPr id="6" name="CuadroTexto 5">
@@ -6550,7 +6558,7 @@
             </p:txBody>
           </p:sp>
         </mc:Choice>
-        <mc:Fallback>
+        <mc:Fallback xmlns="">
           <p:sp>
             <p:nvSpPr>
               <p:cNvPr id="6" name="CuadroTexto 5">
@@ -6595,8 +6603,8 @@
           </p:sp>
         </mc:Fallback>
       </mc:AlternateContent>
-      <mc:AlternateContent xmlns:mc="http://schemas.openxmlformats.org/markup-compatibility/2006">
-        <mc:Choice xmlns:a14="http://schemas.microsoft.com/office/drawing/2010/main" Requires="a14">
+      <mc:AlternateContent xmlns:mc="http://schemas.openxmlformats.org/markup-compatibility/2006" xmlns:a14="http://schemas.microsoft.com/office/drawing/2010/main">
+        <mc:Choice Requires="a14">
           <p:sp>
             <p:nvSpPr>
               <p:cNvPr id="7" name="CuadroTexto 6">
@@ -6736,7 +6744,7 @@
             </p:txBody>
           </p:sp>
         </mc:Choice>
-        <mc:Fallback>
+        <mc:Fallback xmlns="">
           <p:sp>
             <p:nvSpPr>
               <p:cNvPr id="7" name="CuadroTexto 6">
